--- a/slides/1_hello_types.pptx
+++ b/slides/1_hello_types.pptx
@@ -217,7 +217,7 @@
           <a:p>
             <a:fld id="{85EF5437-F444-4613-A039-4AD69D91C86A}" type="datetimeFigureOut">
               <a:rPr lang="ru-RU" smtClean="0"/>
-              <a:t>10.09.2023</a:t>
+              <a:t>12.09.2023</a:t>
             </a:fld>
             <a:endParaRPr lang="ru-RU"/>
           </a:p>
@@ -1371,7 +1371,7 @@
           <a:p>
             <a:fld id="{58BF7D01-7D49-4F37-AA30-F04C65571A4A}" type="datetimeFigureOut">
               <a:rPr lang="ru-RU" smtClean="0"/>
-              <a:t>10.09.2023</a:t>
+              <a:t>12.09.2023</a:t>
             </a:fld>
             <a:endParaRPr lang="ru-RU"/>
           </a:p>
@@ -1541,7 +1541,7 @@
           <a:p>
             <a:fld id="{58BF7D01-7D49-4F37-AA30-F04C65571A4A}" type="datetimeFigureOut">
               <a:rPr lang="ru-RU" smtClean="0"/>
-              <a:t>10.09.2023</a:t>
+              <a:t>12.09.2023</a:t>
             </a:fld>
             <a:endParaRPr lang="ru-RU"/>
           </a:p>
@@ -1721,7 +1721,7 @@
           <a:p>
             <a:fld id="{58BF7D01-7D49-4F37-AA30-F04C65571A4A}" type="datetimeFigureOut">
               <a:rPr lang="ru-RU" smtClean="0"/>
-              <a:t>10.09.2023</a:t>
+              <a:t>12.09.2023</a:t>
             </a:fld>
             <a:endParaRPr lang="ru-RU"/>
           </a:p>
@@ -1891,7 +1891,7 @@
           <a:p>
             <a:fld id="{58BF7D01-7D49-4F37-AA30-F04C65571A4A}" type="datetimeFigureOut">
               <a:rPr lang="ru-RU" smtClean="0"/>
-              <a:t>10.09.2023</a:t>
+              <a:t>12.09.2023</a:t>
             </a:fld>
             <a:endParaRPr lang="ru-RU"/>
           </a:p>
@@ -2137,7 +2137,7 @@
           <a:p>
             <a:fld id="{58BF7D01-7D49-4F37-AA30-F04C65571A4A}" type="datetimeFigureOut">
               <a:rPr lang="ru-RU" smtClean="0"/>
-              <a:t>10.09.2023</a:t>
+              <a:t>12.09.2023</a:t>
             </a:fld>
             <a:endParaRPr lang="ru-RU"/>
           </a:p>
@@ -2369,7 +2369,7 @@
           <a:p>
             <a:fld id="{58BF7D01-7D49-4F37-AA30-F04C65571A4A}" type="datetimeFigureOut">
               <a:rPr lang="ru-RU" smtClean="0"/>
-              <a:t>10.09.2023</a:t>
+              <a:t>12.09.2023</a:t>
             </a:fld>
             <a:endParaRPr lang="ru-RU"/>
           </a:p>
@@ -2736,7 +2736,7 @@
           <a:p>
             <a:fld id="{58BF7D01-7D49-4F37-AA30-F04C65571A4A}" type="datetimeFigureOut">
               <a:rPr lang="ru-RU" smtClean="0"/>
-              <a:t>10.09.2023</a:t>
+              <a:t>12.09.2023</a:t>
             </a:fld>
             <a:endParaRPr lang="ru-RU"/>
           </a:p>
@@ -2854,7 +2854,7 @@
           <a:p>
             <a:fld id="{58BF7D01-7D49-4F37-AA30-F04C65571A4A}" type="datetimeFigureOut">
               <a:rPr lang="ru-RU" smtClean="0"/>
-              <a:t>10.09.2023</a:t>
+              <a:t>12.09.2023</a:t>
             </a:fld>
             <a:endParaRPr lang="ru-RU"/>
           </a:p>
@@ -2949,7 +2949,7 @@
           <a:p>
             <a:fld id="{58BF7D01-7D49-4F37-AA30-F04C65571A4A}" type="datetimeFigureOut">
               <a:rPr lang="ru-RU" smtClean="0"/>
-              <a:t>10.09.2023</a:t>
+              <a:t>12.09.2023</a:t>
             </a:fld>
             <a:endParaRPr lang="ru-RU"/>
           </a:p>
@@ -3226,7 +3226,7 @@
           <a:p>
             <a:fld id="{58BF7D01-7D49-4F37-AA30-F04C65571A4A}" type="datetimeFigureOut">
               <a:rPr lang="ru-RU" smtClean="0"/>
-              <a:t>10.09.2023</a:t>
+              <a:t>12.09.2023</a:t>
             </a:fld>
             <a:endParaRPr lang="ru-RU"/>
           </a:p>
@@ -3483,7 +3483,7 @@
           <a:p>
             <a:fld id="{58BF7D01-7D49-4F37-AA30-F04C65571A4A}" type="datetimeFigureOut">
               <a:rPr lang="ru-RU" smtClean="0"/>
-              <a:t>10.09.2023</a:t>
+              <a:t>12.09.2023</a:t>
             </a:fld>
             <a:endParaRPr lang="ru-RU"/>
           </a:p>
@@ -3696,7 +3696,7 @@
           <a:p>
             <a:fld id="{58BF7D01-7D49-4F37-AA30-F04C65571A4A}" type="datetimeFigureOut">
               <a:rPr lang="ru-RU" smtClean="0"/>
-              <a:t>10.09.2023</a:t>
+              <a:t>12.09.2023</a:t>
             </a:fld>
             <a:endParaRPr lang="ru-RU"/>
           </a:p>
@@ -4343,7 +4343,7 @@
         <p:spPr>
           <a:xfrm>
             <a:off x="2007697" y="1112630"/>
-            <a:ext cx="7782900" cy="4801314"/>
+            <a:ext cx="7782900" cy="5078313"/>
           </a:xfrm>
           <a:prstGeom prst="rect">
             <a:avLst/>
@@ -4781,7 +4781,74 @@
             </a:r>
             <a:endParaRPr lang="en-US" b="0" dirty="0">
               <a:solidFill>
-                <a:srgbClr val="CCCCCC"/>
+                <a:srgbClr val="6A9955"/>
+              </a:solidFill>
+              <a:effectLst/>
+              <a:latin typeface="Consolas" panose="020B0609020204030204" pitchFamily="49" charset="0"/>
+            </a:endParaRPr>
+          </a:p>
+          <a:p>
+            <a:r>
+              <a:rPr lang="en-US" b="0" dirty="0">
+                <a:solidFill>
+                  <a:srgbClr val="CCCCCC"/>
+                </a:solidFill>
+                <a:effectLst/>
+                <a:latin typeface="Consolas" panose="020B0609020204030204" pitchFamily="49" charset="0"/>
+              </a:rPr>
+              <a:t>man command</a:t>
+            </a:r>
+            <a:r>
+              <a:rPr lang="en-US" dirty="0">
+                <a:solidFill>
+                  <a:srgbClr val="CCCCCC"/>
+                </a:solidFill>
+                <a:latin typeface="Consolas" panose="020B0609020204030204" pitchFamily="49" charset="0"/>
+              </a:rPr>
+              <a:t>  </a:t>
+            </a:r>
+            <a:r>
+              <a:rPr lang="en-US" b="0" dirty="0">
+                <a:solidFill>
+                  <a:srgbClr val="6A9955"/>
+                </a:solidFill>
+                <a:effectLst/>
+                <a:latin typeface="Consolas" panose="020B0609020204030204" pitchFamily="49" charset="0"/>
+              </a:rPr>
+              <a:t># </a:t>
+            </a:r>
+            <a:r>
+              <a:rPr lang="ru-RU" b="0" dirty="0">
+                <a:solidFill>
+                  <a:srgbClr val="6A9955"/>
+                </a:solidFill>
+                <a:effectLst/>
+                <a:latin typeface="Consolas" panose="020B0609020204030204" pitchFamily="49" charset="0"/>
+              </a:rPr>
+              <a:t>Мануал</a:t>
+            </a:r>
+            <a:r>
+              <a:rPr lang="en-US" b="0" dirty="0">
+                <a:solidFill>
+                  <a:srgbClr val="6A9955"/>
+                </a:solidFill>
+                <a:effectLst/>
+                <a:latin typeface="Consolas" panose="020B0609020204030204" pitchFamily="49" charset="0"/>
+              </a:rPr>
+              <a:t> (</a:t>
+            </a:r>
+            <a:r>
+              <a:rPr lang="ru-RU" dirty="0">
+                <a:solidFill>
+                  <a:srgbClr val="6A9955"/>
+                </a:solidFill>
+                <a:latin typeface="Consolas" panose="020B0609020204030204" pitchFamily="49" charset="0"/>
+              </a:rPr>
+              <a:t>Описание команды)</a:t>
+            </a:r>
+            <a:endParaRPr lang="en-US" b="0" dirty="0">
+              <a:solidFill>
+                <a:srgbClr val="6A9955"/>
               </a:solidFill>
               <a:effectLst/>
               <a:latin typeface="Consolas" panose="020B0609020204030204" pitchFamily="49" charset="0"/>
@@ -5232,7 +5299,7 @@
           <p:nvPr>
             <p:extLst>
               <p:ext uri="{D42A27DB-BD31-4B8C-83A1-F6EECF244321}">
-                <p14:modId xmlns:p14="http://schemas.microsoft.com/office/powerpoint/2010/main" val="1400640399"/>
+                <p14:modId xmlns:p14="http://schemas.microsoft.com/office/powerpoint/2010/main" val="2722858895"/>
               </p:ext>
             </p:extLst>
           </p:nvPr>
@@ -5422,7 +5489,7 @@
                     <a:p>
                       <a:pPr fontAlgn="t"/>
                       <a:r>
-                        <a:rPr lang="en-US" sz="1400">
+                        <a:rPr lang="en-US" sz="1400" dirty="0">
                           <a:effectLst/>
                           <a:latin typeface="Times New Roman" panose="02020603050405020304" pitchFamily="18" charset="0"/>
                           <a:cs typeface="Times New Roman" panose="02020603050405020304" pitchFamily="18" charset="0"/>
@@ -5444,7 +5511,7 @@
                     <a:p>
                       <a:pPr fontAlgn="t"/>
                       <a:r>
-                        <a:rPr lang="en-US" sz="1400">
+                        <a:rPr lang="en-US" sz="1400" dirty="0">
                           <a:effectLst/>
                           <a:latin typeface="Times New Roman" panose="02020603050405020304" pitchFamily="18" charset="0"/>
                           <a:cs typeface="Times New Roman" panose="02020603050405020304" pitchFamily="18" charset="0"/>
@@ -5571,12 +5638,12 @@
                     <a:p>
                       <a:pPr fontAlgn="t"/>
                       <a:r>
-                        <a:rPr lang="en-US" sz="1400">
+                        <a:rPr lang="en-US" sz="1400" dirty="0">
                           <a:effectLst/>
                           <a:latin typeface="Times New Roman" panose="02020603050405020304" pitchFamily="18" charset="0"/>
                           <a:cs typeface="Times New Roman" panose="02020603050405020304" pitchFamily="18" charset="0"/>
                         </a:rPr>
-                        <a:t>-127 to 127</a:t>
+                        <a:t>-128 to 127</a:t>
                       </a:r>
                     </a:p>
                   </a:txBody>
@@ -5935,7 +6002,7 @@
                           <a:latin typeface="Times New Roman" panose="02020603050405020304" pitchFamily="18" charset="0"/>
                           <a:cs typeface="Times New Roman" panose="02020603050405020304" pitchFamily="18" charset="0"/>
                         </a:rPr>
-                        <a:t>-2,147,483,647 to 2,147,483,647</a:t>
+                        <a:t>-2,147,483,648 to 2,147,483,647</a:t>
                       </a:r>
                     </a:p>
                   </a:txBody>
@@ -6634,7 +6701,7 @@
                     <a:p>
                       <a:pPr fontAlgn="t"/>
                       <a:r>
-                        <a:rPr lang="en-US" sz="1400">
+                        <a:rPr lang="en-US" sz="1400" dirty="0">
                           <a:effectLst/>
                           <a:latin typeface="Times New Roman" panose="02020603050405020304" pitchFamily="18" charset="0"/>
                           <a:cs typeface="Times New Roman" panose="02020603050405020304" pitchFamily="18" charset="0"/>

--- a/slides/1_hello_types.pptx
+++ b/slides/1_hello_types.pptx
@@ -217,7 +217,7 @@
           <a:p>
             <a:fld id="{85EF5437-F444-4613-A039-4AD69D91C86A}" type="datetimeFigureOut">
               <a:rPr lang="ru-RU" smtClean="0"/>
-              <a:t>12.09.2023</a:t>
+              <a:t>15.09.2023</a:t>
             </a:fld>
             <a:endParaRPr lang="ru-RU"/>
           </a:p>
@@ -1371,7 +1371,7 @@
           <a:p>
             <a:fld id="{58BF7D01-7D49-4F37-AA30-F04C65571A4A}" type="datetimeFigureOut">
               <a:rPr lang="ru-RU" smtClean="0"/>
-              <a:t>12.09.2023</a:t>
+              <a:t>15.09.2023</a:t>
             </a:fld>
             <a:endParaRPr lang="ru-RU"/>
           </a:p>
@@ -1541,7 +1541,7 @@
           <a:p>
             <a:fld id="{58BF7D01-7D49-4F37-AA30-F04C65571A4A}" type="datetimeFigureOut">
               <a:rPr lang="ru-RU" smtClean="0"/>
-              <a:t>12.09.2023</a:t>
+              <a:t>15.09.2023</a:t>
             </a:fld>
             <a:endParaRPr lang="ru-RU"/>
           </a:p>
@@ -1721,7 +1721,7 @@
           <a:p>
             <a:fld id="{58BF7D01-7D49-4F37-AA30-F04C65571A4A}" type="datetimeFigureOut">
               <a:rPr lang="ru-RU" smtClean="0"/>
-              <a:t>12.09.2023</a:t>
+              <a:t>15.09.2023</a:t>
             </a:fld>
             <a:endParaRPr lang="ru-RU"/>
           </a:p>
@@ -1891,7 +1891,7 @@
           <a:p>
             <a:fld id="{58BF7D01-7D49-4F37-AA30-F04C65571A4A}" type="datetimeFigureOut">
               <a:rPr lang="ru-RU" smtClean="0"/>
-              <a:t>12.09.2023</a:t>
+              <a:t>15.09.2023</a:t>
             </a:fld>
             <a:endParaRPr lang="ru-RU"/>
           </a:p>
@@ -2137,7 +2137,7 @@
           <a:p>
             <a:fld id="{58BF7D01-7D49-4F37-AA30-F04C65571A4A}" type="datetimeFigureOut">
               <a:rPr lang="ru-RU" smtClean="0"/>
-              <a:t>12.09.2023</a:t>
+              <a:t>15.09.2023</a:t>
             </a:fld>
             <a:endParaRPr lang="ru-RU"/>
           </a:p>
@@ -2369,7 +2369,7 @@
           <a:p>
             <a:fld id="{58BF7D01-7D49-4F37-AA30-F04C65571A4A}" type="datetimeFigureOut">
               <a:rPr lang="ru-RU" smtClean="0"/>
-              <a:t>12.09.2023</a:t>
+              <a:t>15.09.2023</a:t>
             </a:fld>
             <a:endParaRPr lang="ru-RU"/>
           </a:p>
@@ -2736,7 +2736,7 @@
           <a:p>
             <a:fld id="{58BF7D01-7D49-4F37-AA30-F04C65571A4A}" type="datetimeFigureOut">
               <a:rPr lang="ru-RU" smtClean="0"/>
-              <a:t>12.09.2023</a:t>
+              <a:t>15.09.2023</a:t>
             </a:fld>
             <a:endParaRPr lang="ru-RU"/>
           </a:p>
@@ -2854,7 +2854,7 @@
           <a:p>
             <a:fld id="{58BF7D01-7D49-4F37-AA30-F04C65571A4A}" type="datetimeFigureOut">
               <a:rPr lang="ru-RU" smtClean="0"/>
-              <a:t>12.09.2023</a:t>
+              <a:t>15.09.2023</a:t>
             </a:fld>
             <a:endParaRPr lang="ru-RU"/>
           </a:p>
@@ -2949,7 +2949,7 @@
           <a:p>
             <a:fld id="{58BF7D01-7D49-4F37-AA30-F04C65571A4A}" type="datetimeFigureOut">
               <a:rPr lang="ru-RU" smtClean="0"/>
-              <a:t>12.09.2023</a:t>
+              <a:t>15.09.2023</a:t>
             </a:fld>
             <a:endParaRPr lang="ru-RU"/>
           </a:p>
@@ -3226,7 +3226,7 @@
           <a:p>
             <a:fld id="{58BF7D01-7D49-4F37-AA30-F04C65571A4A}" type="datetimeFigureOut">
               <a:rPr lang="ru-RU" smtClean="0"/>
-              <a:t>12.09.2023</a:t>
+              <a:t>15.09.2023</a:t>
             </a:fld>
             <a:endParaRPr lang="ru-RU"/>
           </a:p>
@@ -3483,7 +3483,7 @@
           <a:p>
             <a:fld id="{58BF7D01-7D49-4F37-AA30-F04C65571A4A}" type="datetimeFigureOut">
               <a:rPr lang="ru-RU" smtClean="0"/>
-              <a:t>12.09.2023</a:t>
+              <a:t>15.09.2023</a:t>
             </a:fld>
             <a:endParaRPr lang="ru-RU"/>
           </a:p>
@@ -3696,7 +3696,7 @@
           <a:p>
             <a:fld id="{58BF7D01-7D49-4F37-AA30-F04C65571A4A}" type="datetimeFigureOut">
               <a:rPr lang="ru-RU" smtClean="0"/>
-              <a:t>12.09.2023</a:t>
+              <a:t>15.09.2023</a:t>
             </a:fld>
             <a:endParaRPr lang="ru-RU"/>
           </a:p>
@@ -4343,7 +4343,7 @@
         <p:spPr>
           <a:xfrm>
             <a:off x="2007697" y="1112630"/>
-            <a:ext cx="7782900" cy="5078313"/>
+            <a:ext cx="7782900" cy="4801314"/>
           </a:xfrm>
           <a:prstGeom prst="rect">
             <a:avLst/>
@@ -5042,7 +5042,7 @@
           </a:p>
           <a:p>
             <a:r>
-              <a:rPr lang="en-US" b="0" dirty="0">
+              <a:rPr lang="en-US" b="0">
                 <a:solidFill>
                   <a:srgbClr val="CCCCCC"/>
                 </a:solidFill>
@@ -5051,8 +5051,6 @@
               </a:rPr>
               <a:t>./hello</a:t>
             </a:r>
-          </a:p>
-          <a:p>
             <a:endParaRPr lang="ru-RU" dirty="0"/>
           </a:p>
         </p:txBody>
@@ -5299,7 +5297,7 @@
           <p:nvPr>
             <p:extLst>
               <p:ext uri="{D42A27DB-BD31-4B8C-83A1-F6EECF244321}">
-                <p14:modId xmlns:p14="http://schemas.microsoft.com/office/powerpoint/2010/main" val="2722858895"/>
+                <p14:modId xmlns:p14="http://schemas.microsoft.com/office/powerpoint/2010/main" val="3336320308"/>
               </p:ext>
             </p:extLst>
           </p:nvPr>
@@ -5767,7 +5765,7 @@
                           <a:latin typeface="Times New Roman" panose="02020603050405020304" pitchFamily="18" charset="0"/>
                           <a:cs typeface="Times New Roman" panose="02020603050405020304" pitchFamily="18" charset="0"/>
                         </a:rPr>
-                        <a:t>-32,767 to 32,767</a:t>
+                        <a:t>-32,768 to 32,767</a:t>
                       </a:r>
                     </a:p>
                   </a:txBody>
@@ -8633,34 +8631,76 @@
           </a:p>
           <a:p>
             <a:r>
-              <a:rPr lang="ru-RU" sz="3200" dirty="0" err="1">
-                <a:latin typeface="Times New Roman" panose="02020603050405020304" pitchFamily="18" charset="0"/>
-                <a:cs typeface="Times New Roman" panose="02020603050405020304" pitchFamily="18" charset="0"/>
-              </a:rPr>
-              <a:t>printf</a:t>
-            </a:r>
-            <a:r>
               <a:rPr lang="ru-RU" sz="3200" dirty="0">
                 <a:latin typeface="Times New Roman" panose="02020603050405020304" pitchFamily="18" charset="0"/>
                 <a:cs typeface="Times New Roman" panose="02020603050405020304" pitchFamily="18" charset="0"/>
               </a:rPr>
-              <a:t>("a %7d a\n", a);</a:t>
-            </a:r>
-          </a:p>
-          <a:p>
-            <a:r>
-              <a:rPr lang="ru-RU" sz="3200" dirty="0" err="1">
+              <a:t>printf("</a:t>
+            </a:r>
+            <a:r>
+              <a:rPr lang="en-US" sz="3200" dirty="0">
                 <a:latin typeface="Times New Roman" panose="02020603050405020304" pitchFamily="18" charset="0"/>
                 <a:cs typeface="Times New Roman" panose="02020603050405020304" pitchFamily="18" charset="0"/>
               </a:rPr>
-              <a:t>printf</a:t>
+              <a:t>|</a:t>
             </a:r>
             <a:r>
               <a:rPr lang="ru-RU" sz="3200" dirty="0">
                 <a:latin typeface="Times New Roman" panose="02020603050405020304" pitchFamily="18" charset="0"/>
                 <a:cs typeface="Times New Roman" panose="02020603050405020304" pitchFamily="18" charset="0"/>
               </a:rPr>
-              <a:t>("b %-7d b\n", a);</a:t>
+              <a:t> %7d </a:t>
+            </a:r>
+            <a:r>
+              <a:rPr lang="en-US" sz="3200" dirty="0">
+                <a:latin typeface="Times New Roman" panose="02020603050405020304" pitchFamily="18" charset="0"/>
+                <a:cs typeface="Times New Roman" panose="02020603050405020304" pitchFamily="18" charset="0"/>
+              </a:rPr>
+              <a:t>|</a:t>
+            </a:r>
+            <a:r>
+              <a:rPr lang="ru-RU" sz="3200" dirty="0">
+                <a:latin typeface="Times New Roman" panose="02020603050405020304" pitchFamily="18" charset="0"/>
+                <a:cs typeface="Times New Roman" panose="02020603050405020304" pitchFamily="18" charset="0"/>
+              </a:rPr>
+              <a:t>\n", a);</a:t>
+            </a:r>
+          </a:p>
+          <a:p>
+            <a:r>
+              <a:rPr lang="ru-RU" sz="3200" dirty="0">
+                <a:latin typeface="Times New Roman" panose="02020603050405020304" pitchFamily="18" charset="0"/>
+                <a:cs typeface="Times New Roman" panose="02020603050405020304" pitchFamily="18" charset="0"/>
+              </a:rPr>
+              <a:t>printf("</a:t>
+            </a:r>
+            <a:r>
+              <a:rPr lang="en-US" sz="3200" dirty="0">
+                <a:latin typeface="Times New Roman" panose="02020603050405020304" pitchFamily="18" charset="0"/>
+                <a:cs typeface="Times New Roman" panose="02020603050405020304" pitchFamily="18" charset="0"/>
+              </a:rPr>
+              <a:t>|</a:t>
+            </a:r>
+            <a:r>
+              <a:rPr lang="ru-RU" sz="3200" dirty="0">
+                <a:latin typeface="Times New Roman" panose="02020603050405020304" pitchFamily="18" charset="0"/>
+                <a:cs typeface="Times New Roman" panose="02020603050405020304" pitchFamily="18" charset="0"/>
+              </a:rPr>
+              <a:t> %-7d </a:t>
+            </a:r>
+            <a:r>
+              <a:rPr lang="en-US" sz="3200" dirty="0">
+                <a:latin typeface="Times New Roman" panose="02020603050405020304" pitchFamily="18" charset="0"/>
+                <a:cs typeface="Times New Roman" panose="02020603050405020304" pitchFamily="18" charset="0"/>
+              </a:rPr>
+              <a:t>|</a:t>
+            </a:r>
+            <a:r>
+              <a:rPr lang="ru-RU" sz="3200" dirty="0">
+                <a:latin typeface="Times New Roman" panose="02020603050405020304" pitchFamily="18" charset="0"/>
+                <a:cs typeface="Times New Roman" panose="02020603050405020304" pitchFamily="18" charset="0"/>
+              </a:rPr>
+              <a:t>\n", a);</a:t>
             </a:r>
           </a:p>
         </p:txBody>

--- a/slides/1_hello_types.pptx
+++ b/slides/1_hello_types.pptx
@@ -217,7 +217,7 @@
           <a:p>
             <a:fld id="{85EF5437-F444-4613-A039-4AD69D91C86A}" type="datetimeFigureOut">
               <a:rPr lang="ru-RU" smtClean="0"/>
-              <a:t>15.09.2023</a:t>
+              <a:t>16.09.2023</a:t>
             </a:fld>
             <a:endParaRPr lang="ru-RU"/>
           </a:p>
@@ -1371,7 +1371,7 @@
           <a:p>
             <a:fld id="{58BF7D01-7D49-4F37-AA30-F04C65571A4A}" type="datetimeFigureOut">
               <a:rPr lang="ru-RU" smtClean="0"/>
-              <a:t>15.09.2023</a:t>
+              <a:t>16.09.2023</a:t>
             </a:fld>
             <a:endParaRPr lang="ru-RU"/>
           </a:p>
@@ -1541,7 +1541,7 @@
           <a:p>
             <a:fld id="{58BF7D01-7D49-4F37-AA30-F04C65571A4A}" type="datetimeFigureOut">
               <a:rPr lang="ru-RU" smtClean="0"/>
-              <a:t>15.09.2023</a:t>
+              <a:t>16.09.2023</a:t>
             </a:fld>
             <a:endParaRPr lang="ru-RU"/>
           </a:p>
@@ -1721,7 +1721,7 @@
           <a:p>
             <a:fld id="{58BF7D01-7D49-4F37-AA30-F04C65571A4A}" type="datetimeFigureOut">
               <a:rPr lang="ru-RU" smtClean="0"/>
-              <a:t>15.09.2023</a:t>
+              <a:t>16.09.2023</a:t>
             </a:fld>
             <a:endParaRPr lang="ru-RU"/>
           </a:p>
@@ -1891,7 +1891,7 @@
           <a:p>
             <a:fld id="{58BF7D01-7D49-4F37-AA30-F04C65571A4A}" type="datetimeFigureOut">
               <a:rPr lang="ru-RU" smtClean="0"/>
-              <a:t>15.09.2023</a:t>
+              <a:t>16.09.2023</a:t>
             </a:fld>
             <a:endParaRPr lang="ru-RU"/>
           </a:p>
@@ -2137,7 +2137,7 @@
           <a:p>
             <a:fld id="{58BF7D01-7D49-4F37-AA30-F04C65571A4A}" type="datetimeFigureOut">
               <a:rPr lang="ru-RU" smtClean="0"/>
-              <a:t>15.09.2023</a:t>
+              <a:t>16.09.2023</a:t>
             </a:fld>
             <a:endParaRPr lang="ru-RU"/>
           </a:p>
@@ -2369,7 +2369,7 @@
           <a:p>
             <a:fld id="{58BF7D01-7D49-4F37-AA30-F04C65571A4A}" type="datetimeFigureOut">
               <a:rPr lang="ru-RU" smtClean="0"/>
-              <a:t>15.09.2023</a:t>
+              <a:t>16.09.2023</a:t>
             </a:fld>
             <a:endParaRPr lang="ru-RU"/>
           </a:p>
@@ -2736,7 +2736,7 @@
           <a:p>
             <a:fld id="{58BF7D01-7D49-4F37-AA30-F04C65571A4A}" type="datetimeFigureOut">
               <a:rPr lang="ru-RU" smtClean="0"/>
-              <a:t>15.09.2023</a:t>
+              <a:t>16.09.2023</a:t>
             </a:fld>
             <a:endParaRPr lang="ru-RU"/>
           </a:p>
@@ -2854,7 +2854,7 @@
           <a:p>
             <a:fld id="{58BF7D01-7D49-4F37-AA30-F04C65571A4A}" type="datetimeFigureOut">
               <a:rPr lang="ru-RU" smtClean="0"/>
-              <a:t>15.09.2023</a:t>
+              <a:t>16.09.2023</a:t>
             </a:fld>
             <a:endParaRPr lang="ru-RU"/>
           </a:p>
@@ -2949,7 +2949,7 @@
           <a:p>
             <a:fld id="{58BF7D01-7D49-4F37-AA30-F04C65571A4A}" type="datetimeFigureOut">
               <a:rPr lang="ru-RU" smtClean="0"/>
-              <a:t>15.09.2023</a:t>
+              <a:t>16.09.2023</a:t>
             </a:fld>
             <a:endParaRPr lang="ru-RU"/>
           </a:p>
@@ -3226,7 +3226,7 @@
           <a:p>
             <a:fld id="{58BF7D01-7D49-4F37-AA30-F04C65571A4A}" type="datetimeFigureOut">
               <a:rPr lang="ru-RU" smtClean="0"/>
-              <a:t>15.09.2023</a:t>
+              <a:t>16.09.2023</a:t>
             </a:fld>
             <a:endParaRPr lang="ru-RU"/>
           </a:p>
@@ -3483,7 +3483,7 @@
           <a:p>
             <a:fld id="{58BF7D01-7D49-4F37-AA30-F04C65571A4A}" type="datetimeFigureOut">
               <a:rPr lang="ru-RU" smtClean="0"/>
-              <a:t>15.09.2023</a:t>
+              <a:t>16.09.2023</a:t>
             </a:fld>
             <a:endParaRPr lang="ru-RU"/>
           </a:p>
@@ -3696,7 +3696,7 @@
           <a:p>
             <a:fld id="{58BF7D01-7D49-4F37-AA30-F04C65571A4A}" type="datetimeFigureOut">
               <a:rPr lang="ru-RU" smtClean="0"/>
-              <a:t>15.09.2023</a:t>
+              <a:t>16.09.2023</a:t>
             </a:fld>
             <a:endParaRPr lang="ru-RU"/>
           </a:p>
@@ -4124,6 +4124,13 @@
             <a:r>
               <a:rPr lang="en-US" dirty="0"/>
               <a:t>C Programming</a:t>
+            </a:r>
+            <a:br>
+              <a:rPr lang="en-US" dirty="0"/>
+            </a:br>
+            <a:r>
+              <a:rPr lang="en-US" sz="3200" dirty="0"/>
+              <a:t>1_hello_world</a:t>
             </a:r>
             <a:endParaRPr lang="ru-RU" dirty="0"/>
           </a:p>
